--- a/Class/Slides/03_Preparing Schematics.pptx
+++ b/Class/Slides/03_Preparing Schematics.pptx
@@ -219,7 +219,7 @@
           <a:p>
             <a:fld id="{66E4D784-BC72-9648-8E1C-5C7E3F07A066}" type="datetimeFigureOut">
               <a:rPr lang="en-US" smtClean="0"/>
-              <a:t>10/10/14</a:t>
+              <a:t>10/14/14</a:t>
             </a:fld>
             <a:endParaRPr lang="en-US"/>
           </a:p>
@@ -385,7 +385,7 @@
             <a:fld id="{2DE8C108-AB7E-41F9-BE29-EE918610279B}" type="datetimeFigureOut">
               <a:rPr lang="en-US" smtClean="0"/>
               <a:pPr/>
-              <a:t>10/10/14</a:t>
+              <a:t>10/14/14</a:t>
             </a:fld>
             <a:endParaRPr lang="en-US"/>
           </a:p>
@@ -7278,11 +7278,7 @@
           <a:p>
             <a:r>
               <a:rPr lang="en-US" dirty="0" smtClean="0"/>
-              <a:t>You need to eliminate unnecessary </a:t>
-            </a:r>
-            <a:r>
-              <a:rPr lang="en-US" dirty="0" smtClean="0"/>
-              <a:t>parts</a:t>
+              <a:t>You need to eliminate unnecessary parts</a:t>
             </a:r>
           </a:p>
           <a:p>
